--- a/images/assembly1/diagrams/diagrams.pptx
+++ b/images/assembly1/diagrams/diagrams.pptx
@@ -6,6 +6,7 @@
   </p:sldMasterIdLst>
   <p:sldIdLst>
     <p:sldId id="256" r:id="rId2"/>
+    <p:sldId id="257" r:id="rId3"/>
   </p:sldIdLst>
   <p:sldSz cx="12192000" cy="6858000"/>
   <p:notesSz cx="6858000" cy="9144000"/>
@@ -104,6 +105,11 @@
       </a:defRPr>
     </a:lvl9pPr>
   </p:defaultTextStyle>
+  <p:extLst>
+    <p:ext uri="{EFAFB233-063F-42B5-8137-9DF3F51BA10A}">
+      <p15:sldGuideLst xmlns:p15="http://schemas.microsoft.com/office/powerpoint/2012/main"/>
+    </p:ext>
+  </p:extLst>
 </p:presentation>
 </file>
 
@@ -4899,6 +4905,772 @@
 </p:sld>
 </file>
 
+<file path=ppt/slides/slide2.xml><?xml version="1.0" encoding="utf-8"?>
+<p:sld xmlns:a="http://schemas.openxmlformats.org/drawingml/2006/main" xmlns:r="http://schemas.openxmlformats.org/officeDocument/2006/relationships" xmlns:p="http://schemas.openxmlformats.org/presentationml/2006/main">
+  <p:cSld>
+    <p:spTree>
+      <p:nvGrpSpPr>
+        <p:cNvPr id="1" name=""/>
+        <p:cNvGrpSpPr/>
+        <p:nvPr/>
+      </p:nvGrpSpPr>
+      <p:grpSpPr>
+        <a:xfrm>
+          <a:off x="0" y="0"/>
+          <a:ext cx="0" cy="0"/>
+          <a:chOff x="0" y="0"/>
+          <a:chExt cx="0" cy="0"/>
+        </a:xfrm>
+      </p:grpSpPr>
+      <p:pic>
+        <p:nvPicPr>
+          <p:cNvPr id="5" name="Picture 4" descr="Graphical user interface, application&#10;&#10;Description automatically generated">
+            <a:extLst>
+              <a:ext uri="{FF2B5EF4-FFF2-40B4-BE49-F238E27FC236}">
+                <a16:creationId xmlns:a16="http://schemas.microsoft.com/office/drawing/2014/main" id="{7C811C60-5E56-412E-A072-0B8B04770AFD}"/>
+              </a:ext>
+            </a:extLst>
+          </p:cNvPr>
+          <p:cNvPicPr>
+            <a:picLocks noChangeAspect="1"/>
+          </p:cNvPicPr>
+          <p:nvPr/>
+        </p:nvPicPr>
+        <p:blipFill>
+          <a:blip r:embed="rId2">
+            <a:extLst>
+              <a:ext uri="{28A0092B-C50C-407E-A947-70E740481C1C}">
+                <a14:useLocalDpi xmlns:a14="http://schemas.microsoft.com/office/drawing/2010/main" val="0"/>
+              </a:ext>
+            </a:extLst>
+          </a:blip>
+          <a:stretch>
+            <a:fillRect/>
+          </a:stretch>
+        </p:blipFill>
+        <p:spPr>
+          <a:xfrm>
+            <a:off x="2597021" y="755780"/>
+            <a:ext cx="6845559" cy="5134169"/>
+          </a:xfrm>
+          <a:prstGeom prst="rect">
+            <a:avLst/>
+          </a:prstGeom>
+        </p:spPr>
+      </p:pic>
+      <p:sp>
+        <p:nvSpPr>
+          <p:cNvPr id="6" name="Rectangle 5">
+            <a:extLst>
+              <a:ext uri="{FF2B5EF4-FFF2-40B4-BE49-F238E27FC236}">
+                <a16:creationId xmlns:a16="http://schemas.microsoft.com/office/drawing/2014/main" id="{643486CA-65A4-4FDA-B7FB-59F5BBD2F405}"/>
+              </a:ext>
+            </a:extLst>
+          </p:cNvPr>
+          <p:cNvSpPr/>
+          <p:nvPr/>
+        </p:nvSpPr>
+        <p:spPr>
+          <a:xfrm>
+            <a:off x="2455163" y="2522405"/>
+            <a:ext cx="1500326" cy="2282686"/>
+          </a:xfrm>
+          <a:prstGeom prst="rect">
+            <a:avLst/>
+          </a:prstGeom>
+          <a:noFill/>
+          <a:ln w="57150">
+            <a:solidFill>
+              <a:srgbClr val="00B0F0"/>
+            </a:solidFill>
+          </a:ln>
+        </p:spPr>
+        <p:style>
+          <a:lnRef idx="2">
+            <a:schemeClr val="accent1">
+              <a:shade val="50000"/>
+            </a:schemeClr>
+          </a:lnRef>
+          <a:fillRef idx="1">
+            <a:schemeClr val="accent1"/>
+          </a:fillRef>
+          <a:effectRef idx="0">
+            <a:schemeClr val="accent1"/>
+          </a:effectRef>
+          <a:fontRef idx="minor">
+            <a:schemeClr val="lt1"/>
+          </a:fontRef>
+        </p:style>
+        <p:txBody>
+          <a:bodyPr rtlCol="0" anchor="ctr"/>
+          <a:lstStyle/>
+          <a:p>
+            <a:pPr algn="ctr"/>
+            <a:endParaRPr lang="en-GB"/>
+          </a:p>
+        </p:txBody>
+      </p:sp>
+      <p:sp>
+        <p:nvSpPr>
+          <p:cNvPr id="7" name="TextBox 6">
+            <a:extLst>
+              <a:ext uri="{FF2B5EF4-FFF2-40B4-BE49-F238E27FC236}">
+                <a16:creationId xmlns:a16="http://schemas.microsoft.com/office/drawing/2014/main" id="{8778DF3F-28D4-4A3E-88A3-E4F6928DC0E4}"/>
+              </a:ext>
+            </a:extLst>
+          </p:cNvPr>
+          <p:cNvSpPr txBox="1"/>
+          <p:nvPr/>
+        </p:nvSpPr>
+        <p:spPr>
+          <a:xfrm>
+            <a:off x="2171206" y="1657296"/>
+            <a:ext cx="1811584" cy="369332"/>
+          </a:xfrm>
+          <a:prstGeom prst="rect">
+            <a:avLst/>
+          </a:prstGeom>
+          <a:solidFill>
+            <a:srgbClr val="00B0F0"/>
+          </a:solidFill>
+        </p:spPr>
+        <p:txBody>
+          <a:bodyPr wrap="square" rtlCol="0">
+            <a:spAutoFit/>
+          </a:bodyPr>
+          <a:lstStyle/>
+          <a:p>
+            <a:r>
+              <a:rPr lang="en-US" b="1" dirty="0">
+                <a:solidFill>
+                  <a:schemeClr val="bg1"/>
+                </a:solidFill>
+              </a:rPr>
+              <a:t>caster holder</a:t>
+            </a:r>
+            <a:endParaRPr lang="en-GB" b="1" dirty="0">
+              <a:solidFill>
+                <a:schemeClr val="bg1"/>
+              </a:solidFill>
+            </a:endParaRPr>
+          </a:p>
+        </p:txBody>
+      </p:sp>
+      <p:cxnSp>
+        <p:nvCxnSpPr>
+          <p:cNvPr id="8" name="Straight Arrow Connector 7">
+            <a:extLst>
+              <a:ext uri="{FF2B5EF4-FFF2-40B4-BE49-F238E27FC236}">
+                <a16:creationId xmlns:a16="http://schemas.microsoft.com/office/drawing/2014/main" id="{8F867D74-C398-4C69-93A3-B1F0B8B17880}"/>
+              </a:ext>
+            </a:extLst>
+          </p:cNvPr>
+          <p:cNvCxnSpPr>
+            <a:cxnSpLocks/>
+            <a:stCxn id="7" idx="2"/>
+            <a:endCxn id="6" idx="0"/>
+          </p:cNvCxnSpPr>
+          <p:nvPr/>
+        </p:nvCxnSpPr>
+        <p:spPr>
+          <a:xfrm>
+            <a:off x="3076998" y="2026628"/>
+            <a:ext cx="128328" cy="495777"/>
+          </a:xfrm>
+          <a:prstGeom prst="straightConnector1">
+            <a:avLst/>
+          </a:prstGeom>
+          <a:ln w="57150">
+            <a:solidFill>
+              <a:srgbClr val="00B0F0"/>
+            </a:solidFill>
+            <a:tailEnd type="triangle"/>
+          </a:ln>
+        </p:spPr>
+        <p:style>
+          <a:lnRef idx="1">
+            <a:schemeClr val="accent1"/>
+          </a:lnRef>
+          <a:fillRef idx="0">
+            <a:schemeClr val="accent1"/>
+          </a:fillRef>
+          <a:effectRef idx="0">
+            <a:schemeClr val="accent1"/>
+          </a:effectRef>
+          <a:fontRef idx="minor">
+            <a:schemeClr val="tx1"/>
+          </a:fontRef>
+        </p:style>
+      </p:cxnSp>
+      <p:sp>
+        <p:nvSpPr>
+          <p:cNvPr id="9" name="Rectangle 8">
+            <a:extLst>
+              <a:ext uri="{FF2B5EF4-FFF2-40B4-BE49-F238E27FC236}">
+                <a16:creationId xmlns:a16="http://schemas.microsoft.com/office/drawing/2014/main" id="{214597DF-DC2D-4FC6-9CA3-139F1819E4E4}"/>
+              </a:ext>
+            </a:extLst>
+          </p:cNvPr>
+          <p:cNvSpPr/>
+          <p:nvPr/>
+        </p:nvSpPr>
+        <p:spPr>
+          <a:xfrm>
+            <a:off x="4061233" y="2155370"/>
+            <a:ext cx="2358228" cy="1433861"/>
+          </a:xfrm>
+          <a:prstGeom prst="rect">
+            <a:avLst/>
+          </a:prstGeom>
+          <a:noFill/>
+          <a:ln w="57150">
+            <a:solidFill>
+              <a:srgbClr val="00B0F0"/>
+            </a:solidFill>
+          </a:ln>
+        </p:spPr>
+        <p:style>
+          <a:lnRef idx="2">
+            <a:schemeClr val="accent1">
+              <a:shade val="50000"/>
+            </a:schemeClr>
+          </a:lnRef>
+          <a:fillRef idx="1">
+            <a:schemeClr val="accent1"/>
+          </a:fillRef>
+          <a:effectRef idx="0">
+            <a:schemeClr val="accent1"/>
+          </a:effectRef>
+          <a:fontRef idx="minor">
+            <a:schemeClr val="lt1"/>
+          </a:fontRef>
+        </p:style>
+        <p:txBody>
+          <a:bodyPr rtlCol="0" anchor="ctr"/>
+          <a:lstStyle/>
+          <a:p>
+            <a:pPr algn="ctr"/>
+            <a:endParaRPr lang="en-GB"/>
+          </a:p>
+        </p:txBody>
+      </p:sp>
+      <p:sp>
+        <p:nvSpPr>
+          <p:cNvPr id="10" name="TextBox 9">
+            <a:extLst>
+              <a:ext uri="{FF2B5EF4-FFF2-40B4-BE49-F238E27FC236}">
+                <a16:creationId xmlns:a16="http://schemas.microsoft.com/office/drawing/2014/main" id="{F02CF5B0-652F-4301-8577-175126D7EF82}"/>
+              </a:ext>
+            </a:extLst>
+          </p:cNvPr>
+          <p:cNvSpPr txBox="1"/>
+          <p:nvPr/>
+        </p:nvSpPr>
+        <p:spPr>
+          <a:xfrm>
+            <a:off x="4334555" y="1159222"/>
+            <a:ext cx="1811584" cy="369332"/>
+          </a:xfrm>
+          <a:prstGeom prst="rect">
+            <a:avLst/>
+          </a:prstGeom>
+          <a:solidFill>
+            <a:srgbClr val="00B0F0"/>
+          </a:solidFill>
+        </p:spPr>
+        <p:txBody>
+          <a:bodyPr wrap="square" rtlCol="0">
+            <a:spAutoFit/>
+          </a:bodyPr>
+          <a:lstStyle/>
+          <a:p>
+            <a:r>
+              <a:rPr lang="en-US" b="1" dirty="0">
+                <a:solidFill>
+                  <a:schemeClr val="bg1"/>
+                </a:solidFill>
+              </a:rPr>
+              <a:t>bearing holder</a:t>
+            </a:r>
+            <a:endParaRPr lang="en-GB" b="1" dirty="0">
+              <a:solidFill>
+                <a:schemeClr val="bg1"/>
+              </a:solidFill>
+            </a:endParaRPr>
+          </a:p>
+        </p:txBody>
+      </p:sp>
+      <p:cxnSp>
+        <p:nvCxnSpPr>
+          <p:cNvPr id="14" name="Straight Arrow Connector 13">
+            <a:extLst>
+              <a:ext uri="{FF2B5EF4-FFF2-40B4-BE49-F238E27FC236}">
+                <a16:creationId xmlns:a16="http://schemas.microsoft.com/office/drawing/2014/main" id="{2EDEC236-2957-4D65-A6B5-DA95C2EFA6ED}"/>
+              </a:ext>
+            </a:extLst>
+          </p:cNvPr>
+          <p:cNvCxnSpPr>
+            <a:cxnSpLocks/>
+            <a:endCxn id="9" idx="0"/>
+          </p:cNvCxnSpPr>
+          <p:nvPr/>
+        </p:nvCxnSpPr>
+        <p:spPr>
+          <a:xfrm>
+            <a:off x="5240347" y="1528554"/>
+            <a:ext cx="0" cy="626816"/>
+          </a:xfrm>
+          <a:prstGeom prst="straightConnector1">
+            <a:avLst/>
+          </a:prstGeom>
+          <a:ln w="57150">
+            <a:solidFill>
+              <a:srgbClr val="00B0F0"/>
+            </a:solidFill>
+            <a:tailEnd type="triangle"/>
+          </a:ln>
+        </p:spPr>
+        <p:style>
+          <a:lnRef idx="1">
+            <a:schemeClr val="accent1"/>
+          </a:lnRef>
+          <a:fillRef idx="0">
+            <a:schemeClr val="accent1"/>
+          </a:fillRef>
+          <a:effectRef idx="0">
+            <a:schemeClr val="accent1"/>
+          </a:effectRef>
+          <a:fontRef idx="minor">
+            <a:schemeClr val="tx1"/>
+          </a:fontRef>
+        </p:style>
+      </p:cxnSp>
+      <p:sp>
+        <p:nvSpPr>
+          <p:cNvPr id="22" name="Rectangle 21">
+            <a:extLst>
+              <a:ext uri="{FF2B5EF4-FFF2-40B4-BE49-F238E27FC236}">
+                <a16:creationId xmlns:a16="http://schemas.microsoft.com/office/drawing/2014/main" id="{DFA4247A-F014-47F7-B51D-768D94818669}"/>
+              </a:ext>
+            </a:extLst>
+          </p:cNvPr>
+          <p:cNvSpPr/>
+          <p:nvPr/>
+        </p:nvSpPr>
+        <p:spPr>
+          <a:xfrm>
+            <a:off x="7634796" y="4607511"/>
+            <a:ext cx="426128" cy="328473"/>
+          </a:xfrm>
+          <a:prstGeom prst="rect">
+            <a:avLst/>
+          </a:prstGeom>
+          <a:noFill/>
+          <a:ln w="57150">
+            <a:solidFill>
+              <a:srgbClr val="00B0F0"/>
+            </a:solidFill>
+          </a:ln>
+        </p:spPr>
+        <p:style>
+          <a:lnRef idx="2">
+            <a:schemeClr val="accent1">
+              <a:shade val="50000"/>
+            </a:schemeClr>
+          </a:lnRef>
+          <a:fillRef idx="1">
+            <a:schemeClr val="accent1"/>
+          </a:fillRef>
+          <a:effectRef idx="0">
+            <a:schemeClr val="accent1"/>
+          </a:effectRef>
+          <a:fontRef idx="minor">
+            <a:schemeClr val="lt1"/>
+          </a:fontRef>
+        </p:style>
+        <p:txBody>
+          <a:bodyPr rtlCol="0" anchor="ctr"/>
+          <a:lstStyle/>
+          <a:p>
+            <a:pPr algn="ctr"/>
+            <a:endParaRPr lang="en-GB"/>
+          </a:p>
+        </p:txBody>
+      </p:sp>
+      <p:sp>
+        <p:nvSpPr>
+          <p:cNvPr id="23" name="TextBox 22">
+            <a:extLst>
+              <a:ext uri="{FF2B5EF4-FFF2-40B4-BE49-F238E27FC236}">
+                <a16:creationId xmlns:a16="http://schemas.microsoft.com/office/drawing/2014/main" id="{5A5AB6AC-44DC-4CDF-A1D9-09A2EA3CF363}"/>
+              </a:ext>
+            </a:extLst>
+          </p:cNvPr>
+          <p:cNvSpPr txBox="1"/>
+          <p:nvPr/>
+        </p:nvSpPr>
+        <p:spPr>
+          <a:xfrm>
+            <a:off x="7159134" y="3868391"/>
+            <a:ext cx="759747" cy="369332"/>
+          </a:xfrm>
+          <a:prstGeom prst="rect">
+            <a:avLst/>
+          </a:prstGeom>
+          <a:solidFill>
+            <a:srgbClr val="00B0F0"/>
+          </a:solidFill>
+        </p:spPr>
+        <p:txBody>
+          <a:bodyPr wrap="square" rtlCol="0">
+            <a:spAutoFit/>
+          </a:bodyPr>
+          <a:lstStyle/>
+          <a:p>
+            <a:r>
+              <a:rPr lang="en-US" b="1" dirty="0">
+                <a:solidFill>
+                  <a:schemeClr val="bg1"/>
+                </a:solidFill>
+              </a:rPr>
+              <a:t>screw</a:t>
+            </a:r>
+            <a:endParaRPr lang="en-GB" b="1" dirty="0">
+              <a:solidFill>
+                <a:schemeClr val="bg1"/>
+              </a:solidFill>
+            </a:endParaRPr>
+          </a:p>
+        </p:txBody>
+      </p:sp>
+      <p:cxnSp>
+        <p:nvCxnSpPr>
+          <p:cNvPr id="24" name="Straight Arrow Connector 23">
+            <a:extLst>
+              <a:ext uri="{FF2B5EF4-FFF2-40B4-BE49-F238E27FC236}">
+                <a16:creationId xmlns:a16="http://schemas.microsoft.com/office/drawing/2014/main" id="{F65522BB-2FE5-4AA8-AAB3-547C05B4775B}"/>
+              </a:ext>
+            </a:extLst>
+          </p:cNvPr>
+          <p:cNvCxnSpPr>
+            <a:cxnSpLocks/>
+            <a:stCxn id="23" idx="2"/>
+          </p:cNvCxnSpPr>
+          <p:nvPr/>
+        </p:nvCxnSpPr>
+        <p:spPr>
+          <a:xfrm>
+            <a:off x="7539008" y="4237723"/>
+            <a:ext cx="220075" cy="307644"/>
+          </a:xfrm>
+          <a:prstGeom prst="straightConnector1">
+            <a:avLst/>
+          </a:prstGeom>
+          <a:ln w="57150">
+            <a:solidFill>
+              <a:srgbClr val="00B0F0"/>
+            </a:solidFill>
+            <a:tailEnd type="triangle"/>
+          </a:ln>
+        </p:spPr>
+        <p:style>
+          <a:lnRef idx="1">
+            <a:schemeClr val="accent1"/>
+          </a:lnRef>
+          <a:fillRef idx="0">
+            <a:schemeClr val="accent1"/>
+          </a:fillRef>
+          <a:effectRef idx="0">
+            <a:schemeClr val="accent1"/>
+          </a:effectRef>
+          <a:fontRef idx="minor">
+            <a:schemeClr val="tx1"/>
+          </a:fontRef>
+        </p:style>
+      </p:cxnSp>
+      <p:sp>
+        <p:nvSpPr>
+          <p:cNvPr id="29" name="Rectangle 28">
+            <a:extLst>
+              <a:ext uri="{FF2B5EF4-FFF2-40B4-BE49-F238E27FC236}">
+                <a16:creationId xmlns:a16="http://schemas.microsoft.com/office/drawing/2014/main" id="{07D3D830-5473-44A5-A88D-2789D47757E0}"/>
+              </a:ext>
+            </a:extLst>
+          </p:cNvPr>
+          <p:cNvSpPr/>
+          <p:nvPr/>
+        </p:nvSpPr>
+        <p:spPr>
+          <a:xfrm>
+            <a:off x="8364288" y="4761961"/>
+            <a:ext cx="326951" cy="328473"/>
+          </a:xfrm>
+          <a:prstGeom prst="rect">
+            <a:avLst/>
+          </a:prstGeom>
+          <a:noFill/>
+          <a:ln w="57150">
+            <a:solidFill>
+              <a:srgbClr val="FFC000"/>
+            </a:solidFill>
+          </a:ln>
+        </p:spPr>
+        <p:style>
+          <a:lnRef idx="2">
+            <a:schemeClr val="accent1">
+              <a:shade val="50000"/>
+            </a:schemeClr>
+          </a:lnRef>
+          <a:fillRef idx="1">
+            <a:schemeClr val="accent1"/>
+          </a:fillRef>
+          <a:effectRef idx="0">
+            <a:schemeClr val="accent1"/>
+          </a:effectRef>
+          <a:fontRef idx="minor">
+            <a:schemeClr val="lt1"/>
+          </a:fontRef>
+        </p:style>
+        <p:txBody>
+          <a:bodyPr rtlCol="0" anchor="ctr"/>
+          <a:lstStyle/>
+          <a:p>
+            <a:pPr algn="ctr"/>
+            <a:endParaRPr lang="en-GB"/>
+          </a:p>
+        </p:txBody>
+      </p:sp>
+      <p:sp>
+        <p:nvSpPr>
+          <p:cNvPr id="30" name="TextBox 29">
+            <a:extLst>
+              <a:ext uri="{FF2B5EF4-FFF2-40B4-BE49-F238E27FC236}">
+                <a16:creationId xmlns:a16="http://schemas.microsoft.com/office/drawing/2014/main" id="{FEDB39C9-52B2-4176-B114-4AAACDD1E5AE}"/>
+              </a:ext>
+            </a:extLst>
+          </p:cNvPr>
+          <p:cNvSpPr txBox="1"/>
+          <p:nvPr/>
+        </p:nvSpPr>
+        <p:spPr>
+          <a:xfrm>
+            <a:off x="8211197" y="3963246"/>
+            <a:ext cx="633133" cy="369332"/>
+          </a:xfrm>
+          <a:prstGeom prst="rect">
+            <a:avLst/>
+          </a:prstGeom>
+          <a:solidFill>
+            <a:srgbClr val="FFC000"/>
+          </a:solidFill>
+        </p:spPr>
+        <p:txBody>
+          <a:bodyPr wrap="square" rtlCol="0">
+            <a:spAutoFit/>
+          </a:bodyPr>
+          <a:lstStyle/>
+          <a:p>
+            <a:r>
+              <a:rPr lang="en-US" b="1" dirty="0"/>
+              <a:t>nut</a:t>
+            </a:r>
+          </a:p>
+        </p:txBody>
+      </p:sp>
+      <p:cxnSp>
+        <p:nvCxnSpPr>
+          <p:cNvPr id="31" name="Straight Arrow Connector 30">
+            <a:extLst>
+              <a:ext uri="{FF2B5EF4-FFF2-40B4-BE49-F238E27FC236}">
+                <a16:creationId xmlns:a16="http://schemas.microsoft.com/office/drawing/2014/main" id="{15DF4C4F-D4CA-4F5B-8E2A-2447962BEFD3}"/>
+              </a:ext>
+            </a:extLst>
+          </p:cNvPr>
+          <p:cNvCxnSpPr>
+            <a:cxnSpLocks/>
+            <a:stCxn id="30" idx="2"/>
+            <a:endCxn id="29" idx="0"/>
+          </p:cNvCxnSpPr>
+          <p:nvPr/>
+        </p:nvCxnSpPr>
+        <p:spPr>
+          <a:xfrm>
+            <a:off x="8527764" y="4332578"/>
+            <a:ext cx="0" cy="429383"/>
+          </a:xfrm>
+          <a:prstGeom prst="straightConnector1">
+            <a:avLst/>
+          </a:prstGeom>
+          <a:ln w="57150">
+            <a:solidFill>
+              <a:srgbClr val="FFC000"/>
+            </a:solidFill>
+            <a:tailEnd type="triangle"/>
+          </a:ln>
+        </p:spPr>
+        <p:style>
+          <a:lnRef idx="1">
+            <a:schemeClr val="accent1"/>
+          </a:lnRef>
+          <a:fillRef idx="0">
+            <a:schemeClr val="accent1"/>
+          </a:fillRef>
+          <a:effectRef idx="0">
+            <a:schemeClr val="accent1"/>
+          </a:effectRef>
+          <a:fontRef idx="minor">
+            <a:schemeClr val="tx1"/>
+          </a:fontRef>
+        </p:style>
+      </p:cxnSp>
+      <p:sp>
+        <p:nvSpPr>
+          <p:cNvPr id="39" name="Rectangle 38">
+            <a:extLst>
+              <a:ext uri="{FF2B5EF4-FFF2-40B4-BE49-F238E27FC236}">
+                <a16:creationId xmlns:a16="http://schemas.microsoft.com/office/drawing/2014/main" id="{77116C15-EB6C-476F-89C7-DE7F12E9DDBF}"/>
+              </a:ext>
+            </a:extLst>
+          </p:cNvPr>
+          <p:cNvSpPr/>
+          <p:nvPr/>
+        </p:nvSpPr>
+        <p:spPr>
+          <a:xfrm>
+            <a:off x="3955489" y="3704154"/>
+            <a:ext cx="2190637" cy="1888778"/>
+          </a:xfrm>
+          <a:prstGeom prst="rect">
+            <a:avLst/>
+          </a:prstGeom>
+          <a:noFill/>
+          <a:ln w="57150">
+            <a:solidFill>
+              <a:srgbClr val="FFC000"/>
+            </a:solidFill>
+          </a:ln>
+        </p:spPr>
+        <p:style>
+          <a:lnRef idx="2">
+            <a:schemeClr val="accent1">
+              <a:shade val="50000"/>
+            </a:schemeClr>
+          </a:lnRef>
+          <a:fillRef idx="1">
+            <a:schemeClr val="accent1"/>
+          </a:fillRef>
+          <a:effectRef idx="0">
+            <a:schemeClr val="accent1"/>
+          </a:effectRef>
+          <a:fontRef idx="minor">
+            <a:schemeClr val="lt1"/>
+          </a:fontRef>
+        </p:style>
+        <p:txBody>
+          <a:bodyPr rtlCol="0" anchor="ctr"/>
+          <a:lstStyle/>
+          <a:p>
+            <a:pPr algn="ctr"/>
+            <a:endParaRPr lang="en-GB"/>
+          </a:p>
+        </p:txBody>
+      </p:sp>
+      <p:sp>
+        <p:nvSpPr>
+          <p:cNvPr id="40" name="TextBox 39">
+            <a:extLst>
+              <a:ext uri="{FF2B5EF4-FFF2-40B4-BE49-F238E27FC236}">
+                <a16:creationId xmlns:a16="http://schemas.microsoft.com/office/drawing/2014/main" id="{CC0AEBA2-CE1E-4CD1-9A4E-D8D6D05F22FC}"/>
+              </a:ext>
+            </a:extLst>
+          </p:cNvPr>
+          <p:cNvSpPr txBox="1"/>
+          <p:nvPr/>
+        </p:nvSpPr>
+        <p:spPr>
+          <a:xfrm>
+            <a:off x="4125553" y="5820206"/>
+            <a:ext cx="1850507" cy="369332"/>
+          </a:xfrm>
+          <a:prstGeom prst="rect">
+            <a:avLst/>
+          </a:prstGeom>
+          <a:solidFill>
+            <a:srgbClr val="FFC000"/>
+          </a:solidFill>
+        </p:spPr>
+        <p:txBody>
+          <a:bodyPr wrap="square" rtlCol="0">
+            <a:spAutoFit/>
+          </a:bodyPr>
+          <a:lstStyle/>
+          <a:p>
+            <a:r>
+              <a:rPr lang="en-US" b="1" dirty="0"/>
+              <a:t>bearings</a:t>
+            </a:r>
+          </a:p>
+        </p:txBody>
+      </p:sp>
+      <p:cxnSp>
+        <p:nvCxnSpPr>
+          <p:cNvPr id="41" name="Straight Arrow Connector 40">
+            <a:extLst>
+              <a:ext uri="{FF2B5EF4-FFF2-40B4-BE49-F238E27FC236}">
+                <a16:creationId xmlns:a16="http://schemas.microsoft.com/office/drawing/2014/main" id="{0BC4704B-9C02-4E66-B362-4675B40FE750}"/>
+              </a:ext>
+            </a:extLst>
+          </p:cNvPr>
+          <p:cNvCxnSpPr>
+            <a:cxnSpLocks/>
+            <a:stCxn id="40" idx="0"/>
+            <a:endCxn id="39" idx="2"/>
+          </p:cNvCxnSpPr>
+          <p:nvPr/>
+        </p:nvCxnSpPr>
+        <p:spPr>
+          <a:xfrm flipV="1">
+            <a:off x="5050807" y="5592932"/>
+            <a:ext cx="1" cy="227274"/>
+          </a:xfrm>
+          <a:prstGeom prst="straightConnector1">
+            <a:avLst/>
+          </a:prstGeom>
+          <a:ln w="57150">
+            <a:solidFill>
+              <a:srgbClr val="FFC000"/>
+            </a:solidFill>
+            <a:tailEnd type="triangle"/>
+          </a:ln>
+        </p:spPr>
+        <p:style>
+          <a:lnRef idx="1">
+            <a:schemeClr val="accent1"/>
+          </a:lnRef>
+          <a:fillRef idx="0">
+            <a:schemeClr val="accent1"/>
+          </a:fillRef>
+          <a:effectRef idx="0">
+            <a:schemeClr val="accent1"/>
+          </a:effectRef>
+          <a:fontRef idx="minor">
+            <a:schemeClr val="tx1"/>
+          </a:fontRef>
+        </p:style>
+      </p:cxnSp>
+    </p:spTree>
+    <p:extLst>
+      <p:ext uri="{BB962C8B-B14F-4D97-AF65-F5344CB8AC3E}">
+        <p14:creationId xmlns:p14="http://schemas.microsoft.com/office/powerpoint/2010/main" val="1523524949"/>
+      </p:ext>
+    </p:extLst>
+  </p:cSld>
+  <p:clrMapOvr>
+    <a:masterClrMapping/>
+  </p:clrMapOvr>
+</p:sld>
+</file>
+
 <file path=ppt/theme/theme1.xml><?xml version="1.0" encoding="utf-8"?>
 <a:theme xmlns:a="http://schemas.openxmlformats.org/drawingml/2006/main" name="Office Theme">
   <a:themeElements>

--- a/images/assembly1/diagrams/diagrams.pptx
+++ b/images/assembly1/diagrams/diagrams.pptx
@@ -7,6 +7,7 @@
   <p:sldIdLst>
     <p:sldId id="256" r:id="rId2"/>
     <p:sldId id="257" r:id="rId3"/>
+    <p:sldId id="258" r:id="rId4"/>
   </p:sldIdLst>
   <p:sldSz cx="12192000" cy="6858000"/>
   <p:notesSz cx="6858000" cy="9144000"/>
@@ -5671,6 +5672,206 @@
 </p:sld>
 </file>
 
+<file path=ppt/slides/slide3.xml><?xml version="1.0" encoding="utf-8"?>
+<p:sld xmlns:a="http://schemas.openxmlformats.org/drawingml/2006/main" xmlns:r="http://schemas.openxmlformats.org/officeDocument/2006/relationships" xmlns:p="http://schemas.openxmlformats.org/presentationml/2006/main">
+  <p:cSld>
+    <p:spTree>
+      <p:nvGrpSpPr>
+        <p:cNvPr id="1" name=""/>
+        <p:cNvGrpSpPr/>
+        <p:nvPr/>
+      </p:nvGrpSpPr>
+      <p:grpSpPr>
+        <a:xfrm>
+          <a:off x="0" y="0"/>
+          <a:ext cx="0" cy="0"/>
+          <a:chOff x="0" y="0"/>
+          <a:chExt cx="0" cy="0"/>
+        </a:xfrm>
+      </p:grpSpPr>
+      <p:pic>
+        <p:nvPicPr>
+          <p:cNvPr id="3" name="Picture 2" descr="A picture containing electronics&#10;&#10;Description automatically generated">
+            <a:extLst>
+              <a:ext uri="{FF2B5EF4-FFF2-40B4-BE49-F238E27FC236}">
+                <a16:creationId xmlns:a16="http://schemas.microsoft.com/office/drawing/2014/main" id="{63DD63DA-8DBB-4E84-AE79-48B5CFB85946}"/>
+              </a:ext>
+            </a:extLst>
+          </p:cNvPr>
+          <p:cNvPicPr>
+            <a:picLocks noChangeAspect="1"/>
+          </p:cNvPicPr>
+          <p:nvPr/>
+        </p:nvPicPr>
+        <p:blipFill>
+          <a:blip r:embed="rId2">
+            <a:extLst>
+              <a:ext uri="{28A0092B-C50C-407E-A947-70E740481C1C}">
+                <a14:useLocalDpi xmlns:a14="http://schemas.microsoft.com/office/drawing/2010/main" val="0"/>
+              </a:ext>
+            </a:extLst>
+          </a:blip>
+          <a:stretch>
+            <a:fillRect/>
+          </a:stretch>
+        </p:blipFill>
+        <p:spPr>
+          <a:xfrm>
+            <a:off x="2003395" y="443883"/>
+            <a:ext cx="7747247" cy="5810435"/>
+          </a:xfrm>
+          <a:prstGeom prst="rect">
+            <a:avLst/>
+          </a:prstGeom>
+        </p:spPr>
+      </p:pic>
+      <p:sp>
+        <p:nvSpPr>
+          <p:cNvPr id="29" name="Rectangle 28">
+            <a:extLst>
+              <a:ext uri="{FF2B5EF4-FFF2-40B4-BE49-F238E27FC236}">
+                <a16:creationId xmlns:a16="http://schemas.microsoft.com/office/drawing/2014/main" id="{07D3D830-5473-44A5-A88D-2789D47757E0}"/>
+              </a:ext>
+            </a:extLst>
+          </p:cNvPr>
+          <p:cNvSpPr/>
+          <p:nvPr/>
+        </p:nvSpPr>
+        <p:spPr>
+          <a:xfrm>
+            <a:off x="7670308" y="4545367"/>
+            <a:ext cx="540890" cy="514905"/>
+          </a:xfrm>
+          <a:prstGeom prst="rect">
+            <a:avLst/>
+          </a:prstGeom>
+          <a:noFill/>
+          <a:ln w="57150">
+            <a:solidFill>
+              <a:srgbClr val="FFC000"/>
+            </a:solidFill>
+          </a:ln>
+        </p:spPr>
+        <p:style>
+          <a:lnRef idx="2">
+            <a:schemeClr val="accent1">
+              <a:shade val="50000"/>
+            </a:schemeClr>
+          </a:lnRef>
+          <a:fillRef idx="1">
+            <a:schemeClr val="accent1"/>
+          </a:fillRef>
+          <a:effectRef idx="0">
+            <a:schemeClr val="accent1"/>
+          </a:effectRef>
+          <a:fontRef idx="minor">
+            <a:schemeClr val="lt1"/>
+          </a:fontRef>
+        </p:style>
+        <p:txBody>
+          <a:bodyPr rtlCol="0" anchor="ctr"/>
+          <a:lstStyle/>
+          <a:p>
+            <a:pPr algn="ctr"/>
+            <a:endParaRPr lang="en-GB"/>
+          </a:p>
+        </p:txBody>
+      </p:sp>
+      <p:sp>
+        <p:nvSpPr>
+          <p:cNvPr id="30" name="TextBox 29">
+            <a:extLst>
+              <a:ext uri="{FF2B5EF4-FFF2-40B4-BE49-F238E27FC236}">
+                <a16:creationId xmlns:a16="http://schemas.microsoft.com/office/drawing/2014/main" id="{FEDB39C9-52B2-4176-B114-4AAACDD1E5AE}"/>
+              </a:ext>
+            </a:extLst>
+          </p:cNvPr>
+          <p:cNvSpPr txBox="1"/>
+          <p:nvPr/>
+        </p:nvSpPr>
+        <p:spPr>
+          <a:xfrm>
+            <a:off x="8664353" y="4360701"/>
+            <a:ext cx="633133" cy="369332"/>
+          </a:xfrm>
+          <a:prstGeom prst="rect">
+            <a:avLst/>
+          </a:prstGeom>
+          <a:solidFill>
+            <a:srgbClr val="FFC000"/>
+          </a:solidFill>
+        </p:spPr>
+        <p:txBody>
+          <a:bodyPr wrap="square" rtlCol="0">
+            <a:spAutoFit/>
+          </a:bodyPr>
+          <a:lstStyle/>
+          <a:p>
+            <a:r>
+              <a:rPr lang="en-US" b="1" dirty="0"/>
+              <a:t>nut</a:t>
+            </a:r>
+          </a:p>
+        </p:txBody>
+      </p:sp>
+      <p:cxnSp>
+        <p:nvCxnSpPr>
+          <p:cNvPr id="31" name="Straight Arrow Connector 30">
+            <a:extLst>
+              <a:ext uri="{FF2B5EF4-FFF2-40B4-BE49-F238E27FC236}">
+                <a16:creationId xmlns:a16="http://schemas.microsoft.com/office/drawing/2014/main" id="{15DF4C4F-D4CA-4F5B-8E2A-2447962BEFD3}"/>
+              </a:ext>
+            </a:extLst>
+          </p:cNvPr>
+          <p:cNvCxnSpPr>
+            <a:cxnSpLocks/>
+            <a:stCxn id="30" idx="1"/>
+          </p:cNvCxnSpPr>
+          <p:nvPr/>
+        </p:nvCxnSpPr>
+        <p:spPr>
+          <a:xfrm flipH="1">
+            <a:off x="8211199" y="4545367"/>
+            <a:ext cx="453154" cy="257452"/>
+          </a:xfrm>
+          <a:prstGeom prst="straightConnector1">
+            <a:avLst/>
+          </a:prstGeom>
+          <a:ln w="57150">
+            <a:solidFill>
+              <a:srgbClr val="FFC000"/>
+            </a:solidFill>
+            <a:tailEnd type="triangle"/>
+          </a:ln>
+        </p:spPr>
+        <p:style>
+          <a:lnRef idx="1">
+            <a:schemeClr val="accent1"/>
+          </a:lnRef>
+          <a:fillRef idx="0">
+            <a:schemeClr val="accent1"/>
+          </a:fillRef>
+          <a:effectRef idx="0">
+            <a:schemeClr val="accent1"/>
+          </a:effectRef>
+          <a:fontRef idx="minor">
+            <a:schemeClr val="tx1"/>
+          </a:fontRef>
+        </p:style>
+      </p:cxnSp>
+    </p:spTree>
+    <p:extLst>
+      <p:ext uri="{BB962C8B-B14F-4D97-AF65-F5344CB8AC3E}">
+        <p14:creationId xmlns:p14="http://schemas.microsoft.com/office/powerpoint/2010/main" val="2031597198"/>
+      </p:ext>
+    </p:extLst>
+  </p:cSld>
+  <p:clrMapOvr>
+    <a:masterClrMapping/>
+  </p:clrMapOvr>
+</p:sld>
+</file>
+
 <file path=ppt/theme/theme1.xml><?xml version="1.0" encoding="utf-8"?>
 <a:theme xmlns:a="http://schemas.openxmlformats.org/drawingml/2006/main" name="Office Theme">
   <a:themeElements>

--- a/images/assembly1/diagrams/diagrams.pptx
+++ b/images/assembly1/diagrams/diagrams.pptx
@@ -8,6 +8,7 @@
     <p:sldId id="256" r:id="rId2"/>
     <p:sldId id="257" r:id="rId3"/>
     <p:sldId id="258" r:id="rId4"/>
+    <p:sldId id="259" r:id="rId5"/>
   </p:sldIdLst>
   <p:sldSz cx="12192000" cy="6858000"/>
   <p:notesSz cx="6858000" cy="9144000"/>
@@ -114,6 +115,59 @@
 </p:presentation>
 </file>
 
+<file path=ppt/revisionInfo.xml><?xml version="1.0" encoding="utf-8"?>
+<p1510:revInfo xmlns:a="http://schemas.openxmlformats.org/drawingml/2006/main" xmlns:r="http://schemas.openxmlformats.org/officeDocument/2006/relationships" xmlns:p1510="http://schemas.microsoft.com/office/powerpoint/2015/10/main">
+  <p1510:revLst>
+    <p1510:client id="{BCDBC06F-E035-464D-A41A-1A32E9BC438F}" v="4" dt="2021-10-23T13:32:16.449"/>
+  </p1510:revLst>
+</p1510:revInfo>
+</file>
+
+<file path=ppt/changesInfos/changesInfo1.xml><?xml version="1.0" encoding="utf-8"?>
+<pc:chgInfo xmlns:a="http://schemas.openxmlformats.org/drawingml/2006/main" xmlns:r="http://schemas.openxmlformats.org/officeDocument/2006/relationships" xmlns:ac="http://schemas.microsoft.com/office/drawing/2013/main/command" xmlns:pc="http://schemas.microsoft.com/office/powerpoint/2013/main/command">
+  <pc:docChgLst>
+    <pc:chgData name="Samantha Hoh" userId="a909ac0df12032b6" providerId="LiveId" clId="{BCDBC06F-E035-464D-A41A-1A32E9BC438F}"/>
+    <pc:docChg chg="undo custSel addSld modSld">
+      <pc:chgData name="Samantha Hoh" userId="a909ac0df12032b6" providerId="LiveId" clId="{BCDBC06F-E035-464D-A41A-1A32E9BC438F}" dt="2021-10-23T13:32:27.998" v="44" actId="20577"/>
+      <pc:docMkLst>
+        <pc:docMk/>
+      </pc:docMkLst>
+      <pc:sldChg chg="addSp modSp new mod">
+        <pc:chgData name="Samantha Hoh" userId="a909ac0df12032b6" providerId="LiveId" clId="{BCDBC06F-E035-464D-A41A-1A32E9BC438F}" dt="2021-10-23T13:32:27.998" v="44" actId="20577"/>
+        <pc:sldMkLst>
+          <pc:docMk/>
+          <pc:sldMk cId="2362361384" sldId="259"/>
+        </pc:sldMkLst>
+        <pc:spChg chg="add mod">
+          <ac:chgData name="Samantha Hoh" userId="a909ac0df12032b6" providerId="LiveId" clId="{BCDBC06F-E035-464D-A41A-1A32E9BC438F}" dt="2021-10-23T13:32:12.201" v="23" actId="1076"/>
+          <ac:spMkLst>
+            <pc:docMk/>
+            <pc:sldMk cId="2362361384" sldId="259"/>
+            <ac:spMk id="5" creationId="{FF5419D9-4813-4F31-92C3-2E1EFCB49564}"/>
+          </ac:spMkLst>
+        </pc:spChg>
+        <pc:spChg chg="add mod">
+          <ac:chgData name="Samantha Hoh" userId="a909ac0df12032b6" providerId="LiveId" clId="{BCDBC06F-E035-464D-A41A-1A32E9BC438F}" dt="2021-10-23T13:32:27.998" v="44" actId="20577"/>
+          <ac:spMkLst>
+            <pc:docMk/>
+            <pc:sldMk cId="2362361384" sldId="259"/>
+            <ac:spMk id="6" creationId="{8B9AB7BC-7451-4DF2-AB09-2ED7303A6FDC}"/>
+          </ac:spMkLst>
+        </pc:spChg>
+        <pc:picChg chg="add mod">
+          <ac:chgData name="Samantha Hoh" userId="a909ac0df12032b6" providerId="LiveId" clId="{BCDBC06F-E035-464D-A41A-1A32E9BC438F}" dt="2021-10-23T13:29:56.180" v="2" actId="688"/>
+          <ac:picMkLst>
+            <pc:docMk/>
+            <pc:sldMk cId="2362361384" sldId="259"/>
+            <ac:picMk id="1026" creationId="{5C2370C9-C4D9-4DF0-9A96-2135812107EE}"/>
+          </ac:picMkLst>
+        </pc:picChg>
+      </pc:sldChg>
+    </pc:docChg>
+  </pc:docChgLst>
+</pc:chgInfo>
+</file>
+
 <file path=ppt/slideLayouts/slideLayout1.xml><?xml version="1.0" encoding="utf-8"?>
 <p:sldLayout xmlns:a="http://schemas.openxmlformats.org/drawingml/2006/main" xmlns:r="http://schemas.openxmlformats.org/officeDocument/2006/relationships" xmlns:p="http://schemas.openxmlformats.org/presentationml/2006/main" type="title" preserve="1">
   <p:cSld name="Title Slide">
@@ -263,7 +317,7 @@
           <a:p>
             <a:fld id="{4D65AC1E-4E5D-4685-AE38-96DEA0EF6B61}" type="datetimeFigureOut">
               <a:rPr lang="en-GB" smtClean="0"/>
-              <a:t>27/03/2021</a:t>
+              <a:t>23/10/2021</a:t>
             </a:fld>
             <a:endParaRPr lang="en-GB"/>
           </a:p>
@@ -463,7 +517,7 @@
           <a:p>
             <a:fld id="{4D65AC1E-4E5D-4685-AE38-96DEA0EF6B61}" type="datetimeFigureOut">
               <a:rPr lang="en-GB" smtClean="0"/>
-              <a:t>27/03/2021</a:t>
+              <a:t>23/10/2021</a:t>
             </a:fld>
             <a:endParaRPr lang="en-GB"/>
           </a:p>
@@ -673,7 +727,7 @@
           <a:p>
             <a:fld id="{4D65AC1E-4E5D-4685-AE38-96DEA0EF6B61}" type="datetimeFigureOut">
               <a:rPr lang="en-GB" smtClean="0"/>
-              <a:t>27/03/2021</a:t>
+              <a:t>23/10/2021</a:t>
             </a:fld>
             <a:endParaRPr lang="en-GB"/>
           </a:p>
@@ -873,7 +927,7 @@
           <a:p>
             <a:fld id="{4D65AC1E-4E5D-4685-AE38-96DEA0EF6B61}" type="datetimeFigureOut">
               <a:rPr lang="en-GB" smtClean="0"/>
-              <a:t>27/03/2021</a:t>
+              <a:t>23/10/2021</a:t>
             </a:fld>
             <a:endParaRPr lang="en-GB"/>
           </a:p>
@@ -1149,7 +1203,7 @@
           <a:p>
             <a:fld id="{4D65AC1E-4E5D-4685-AE38-96DEA0EF6B61}" type="datetimeFigureOut">
               <a:rPr lang="en-GB" smtClean="0"/>
-              <a:t>27/03/2021</a:t>
+              <a:t>23/10/2021</a:t>
             </a:fld>
             <a:endParaRPr lang="en-GB"/>
           </a:p>
@@ -1417,7 +1471,7 @@
           <a:p>
             <a:fld id="{4D65AC1E-4E5D-4685-AE38-96DEA0EF6B61}" type="datetimeFigureOut">
               <a:rPr lang="en-GB" smtClean="0"/>
-              <a:t>27/03/2021</a:t>
+              <a:t>23/10/2021</a:t>
             </a:fld>
             <a:endParaRPr lang="en-GB"/>
           </a:p>
@@ -1832,7 +1886,7 @@
           <a:p>
             <a:fld id="{4D65AC1E-4E5D-4685-AE38-96DEA0EF6B61}" type="datetimeFigureOut">
               <a:rPr lang="en-GB" smtClean="0"/>
-              <a:t>27/03/2021</a:t>
+              <a:t>23/10/2021</a:t>
             </a:fld>
             <a:endParaRPr lang="en-GB"/>
           </a:p>
@@ -1974,7 +2028,7 @@
           <a:p>
             <a:fld id="{4D65AC1E-4E5D-4685-AE38-96DEA0EF6B61}" type="datetimeFigureOut">
               <a:rPr lang="en-GB" smtClean="0"/>
-              <a:t>27/03/2021</a:t>
+              <a:t>23/10/2021</a:t>
             </a:fld>
             <a:endParaRPr lang="en-GB"/>
           </a:p>
@@ -2087,7 +2141,7 @@
           <a:p>
             <a:fld id="{4D65AC1E-4E5D-4685-AE38-96DEA0EF6B61}" type="datetimeFigureOut">
               <a:rPr lang="en-GB" smtClean="0"/>
-              <a:t>27/03/2021</a:t>
+              <a:t>23/10/2021</a:t>
             </a:fld>
             <a:endParaRPr lang="en-GB"/>
           </a:p>
@@ -2400,7 +2454,7 @@
           <a:p>
             <a:fld id="{4D65AC1E-4E5D-4685-AE38-96DEA0EF6B61}" type="datetimeFigureOut">
               <a:rPr lang="en-GB" smtClean="0"/>
-              <a:t>27/03/2021</a:t>
+              <a:t>23/10/2021</a:t>
             </a:fld>
             <a:endParaRPr lang="en-GB"/>
           </a:p>
@@ -2689,7 +2743,7 @@
           <a:p>
             <a:fld id="{4D65AC1E-4E5D-4685-AE38-96DEA0EF6B61}" type="datetimeFigureOut">
               <a:rPr lang="en-GB" smtClean="0"/>
-              <a:t>27/03/2021</a:t>
+              <a:t>23/10/2021</a:t>
             </a:fld>
             <a:endParaRPr lang="en-GB"/>
           </a:p>
@@ -2932,7 +2986,7 @@
           <a:p>
             <a:fld id="{4D65AC1E-4E5D-4685-AE38-96DEA0EF6B61}" type="datetimeFigureOut">
               <a:rPr lang="en-GB" smtClean="0"/>
-              <a:t>27/03/2021</a:t>
+              <a:t>23/10/2021</a:t>
             </a:fld>
             <a:endParaRPr lang="en-GB"/>
           </a:p>
@@ -5872,6 +5926,251 @@
 </p:sld>
 </file>
 
+<file path=ppt/slides/slide4.xml><?xml version="1.0" encoding="utf-8"?>
+<p:sld xmlns:a="http://schemas.openxmlformats.org/drawingml/2006/main" xmlns:r="http://schemas.openxmlformats.org/officeDocument/2006/relationships" xmlns:p="http://schemas.openxmlformats.org/presentationml/2006/main">
+  <p:cSld>
+    <p:spTree>
+      <p:nvGrpSpPr>
+        <p:cNvPr id="1" name=""/>
+        <p:cNvGrpSpPr/>
+        <p:nvPr/>
+      </p:nvGrpSpPr>
+      <p:grpSpPr>
+        <a:xfrm>
+          <a:off x="0" y="0"/>
+          <a:ext cx="0" cy="0"/>
+          <a:chOff x="0" y="0"/>
+          <a:chExt cx="0" cy="0"/>
+        </a:xfrm>
+      </p:grpSpPr>
+      <p:sp>
+        <p:nvSpPr>
+          <p:cNvPr id="2" name="Title 1">
+            <a:extLst>
+              <a:ext uri="{FF2B5EF4-FFF2-40B4-BE49-F238E27FC236}">
+                <a16:creationId xmlns:a16="http://schemas.microsoft.com/office/drawing/2014/main" id="{D022397D-9E19-4E20-8768-88F37CE4FC7E}"/>
+              </a:ext>
+            </a:extLst>
+          </p:cNvPr>
+          <p:cNvSpPr>
+            <a:spLocks noGrp="1"/>
+          </p:cNvSpPr>
+          <p:nvPr>
+            <p:ph type="title"/>
+          </p:nvPr>
+        </p:nvSpPr>
+        <p:spPr/>
+        <p:txBody>
+          <a:bodyPr/>
+          <a:lstStyle/>
+          <a:p>
+            <a:endParaRPr lang="en-GB"/>
+          </a:p>
+        </p:txBody>
+      </p:sp>
+      <p:sp>
+        <p:nvSpPr>
+          <p:cNvPr id="3" name="Content Placeholder 2">
+            <a:extLst>
+              <a:ext uri="{FF2B5EF4-FFF2-40B4-BE49-F238E27FC236}">
+                <a16:creationId xmlns:a16="http://schemas.microsoft.com/office/drawing/2014/main" id="{E16007C1-D454-4F50-88CA-3E0EDEA94B67}"/>
+              </a:ext>
+            </a:extLst>
+          </p:cNvPr>
+          <p:cNvSpPr>
+            <a:spLocks noGrp="1"/>
+          </p:cNvSpPr>
+          <p:nvPr>
+            <p:ph idx="1"/>
+          </p:nvPr>
+        </p:nvSpPr>
+        <p:spPr/>
+        <p:txBody>
+          <a:bodyPr/>
+          <a:lstStyle/>
+          <a:p>
+            <a:endParaRPr lang="en-GB"/>
+          </a:p>
+        </p:txBody>
+      </p:sp>
+      <p:pic>
+        <p:nvPicPr>
+          <p:cNvPr id="1026" name="Picture 2">
+            <a:extLst>
+              <a:ext uri="{FF2B5EF4-FFF2-40B4-BE49-F238E27FC236}">
+                <a16:creationId xmlns:a16="http://schemas.microsoft.com/office/drawing/2014/main" id="{5C2370C9-C4D9-4DF0-9A96-2135812107EE}"/>
+              </a:ext>
+            </a:extLst>
+          </p:cNvPr>
+          <p:cNvPicPr>
+            <a:picLocks noChangeAspect="1" noChangeArrowheads="1"/>
+          </p:cNvPicPr>
+          <p:nvPr/>
+        </p:nvPicPr>
+        <p:blipFill>
+          <a:blip r:embed="rId2">
+            <a:extLst>
+              <a:ext uri="{28A0092B-C50C-407E-A947-70E740481C1C}">
+                <a14:useLocalDpi xmlns:a14="http://schemas.microsoft.com/office/drawing/2010/main" val="0"/>
+              </a:ext>
+            </a:extLst>
+          </a:blip>
+          <a:srcRect/>
+          <a:stretch>
+            <a:fillRect/>
+          </a:stretch>
+        </p:blipFill>
+        <p:spPr bwMode="auto">
+          <a:xfrm rot="16200000">
+            <a:off x="3524250" y="0"/>
+            <a:ext cx="5143500" cy="6858000"/>
+          </a:xfrm>
+          <a:prstGeom prst="rect">
+            <a:avLst/>
+          </a:prstGeom>
+          <a:noFill/>
+          <a:extLst>
+            <a:ext uri="{909E8E84-426E-40DD-AFC4-6F175D3DCCD1}">
+              <a14:hiddenFill xmlns:a14="http://schemas.microsoft.com/office/drawing/2010/main">
+                <a:solidFill>
+                  <a:srgbClr val="FFFFFF"/>
+                </a:solidFill>
+              </a14:hiddenFill>
+            </a:ext>
+          </a:extLst>
+        </p:spPr>
+      </p:pic>
+      <p:sp>
+        <p:nvSpPr>
+          <p:cNvPr id="5" name="TextBox 4">
+            <a:extLst>
+              <a:ext uri="{FF2B5EF4-FFF2-40B4-BE49-F238E27FC236}">
+                <a16:creationId xmlns:a16="http://schemas.microsoft.com/office/drawing/2014/main" id="{FF5419D9-4813-4F31-92C3-2E1EFCB49564}"/>
+              </a:ext>
+            </a:extLst>
+          </p:cNvPr>
+          <p:cNvSpPr txBox="1"/>
+          <p:nvPr/>
+        </p:nvSpPr>
+        <p:spPr>
+          <a:xfrm>
+            <a:off x="4341109" y="2820878"/>
+            <a:ext cx="349019" cy="1077218"/>
+          </a:xfrm>
+          <a:prstGeom prst="rect">
+            <a:avLst/>
+          </a:prstGeom>
+          <a:solidFill>
+            <a:srgbClr val="FFC000"/>
+          </a:solidFill>
+        </p:spPr>
+        <p:txBody>
+          <a:bodyPr wrap="square" rtlCol="0">
+            <a:spAutoFit/>
+          </a:bodyPr>
+          <a:lstStyle/>
+          <a:p>
+            <a:pPr algn="ctr"/>
+            <a:r>
+              <a:rPr lang="en-US" sz="1600" b="1" dirty="0"/>
+              <a:t>1</a:t>
+            </a:r>
+          </a:p>
+          <a:p>
+            <a:pPr algn="ctr"/>
+            <a:r>
+              <a:rPr lang="en-US" sz="1600" b="1" dirty="0"/>
+              <a:t>2</a:t>
+            </a:r>
+          </a:p>
+          <a:p>
+            <a:pPr algn="ctr"/>
+            <a:r>
+              <a:rPr lang="en-US" sz="1600" b="1" dirty="0"/>
+              <a:t>3</a:t>
+            </a:r>
+          </a:p>
+          <a:p>
+            <a:pPr algn="ctr"/>
+            <a:r>
+              <a:rPr lang="en-US" sz="1600" b="1" dirty="0"/>
+              <a:t>4</a:t>
+            </a:r>
+          </a:p>
+        </p:txBody>
+      </p:sp>
+      <p:sp>
+        <p:nvSpPr>
+          <p:cNvPr id="6" name="TextBox 5">
+            <a:extLst>
+              <a:ext uri="{FF2B5EF4-FFF2-40B4-BE49-F238E27FC236}">
+                <a16:creationId xmlns:a16="http://schemas.microsoft.com/office/drawing/2014/main" id="{8B9AB7BC-7451-4DF2-AB09-2ED7303A6FDC}"/>
+              </a:ext>
+            </a:extLst>
+          </p:cNvPr>
+          <p:cNvSpPr txBox="1"/>
+          <p:nvPr/>
+        </p:nvSpPr>
+        <p:spPr>
+          <a:xfrm>
+            <a:off x="7501874" y="2820878"/>
+            <a:ext cx="349019" cy="1077218"/>
+          </a:xfrm>
+          <a:prstGeom prst="rect">
+            <a:avLst/>
+          </a:prstGeom>
+          <a:solidFill>
+            <a:srgbClr val="FFC000"/>
+          </a:solidFill>
+        </p:spPr>
+        <p:txBody>
+          <a:bodyPr wrap="square" rtlCol="0">
+            <a:spAutoFit/>
+          </a:bodyPr>
+          <a:lstStyle/>
+          <a:p>
+            <a:pPr algn="ctr"/>
+            <a:r>
+              <a:rPr lang="en-US" sz="1600" b="1" dirty="0"/>
+              <a:t>a</a:t>
+            </a:r>
+          </a:p>
+          <a:p>
+            <a:pPr algn="ctr"/>
+            <a:r>
+              <a:rPr lang="en-US" sz="1600" b="1" dirty="0"/>
+              <a:t>b</a:t>
+            </a:r>
+          </a:p>
+          <a:p>
+            <a:pPr algn="ctr"/>
+            <a:r>
+              <a:rPr lang="en-US" sz="1600" b="1" dirty="0"/>
+              <a:t>c</a:t>
+            </a:r>
+          </a:p>
+          <a:p>
+            <a:pPr algn="ctr"/>
+            <a:r>
+              <a:rPr lang="en-US" sz="1600" b="1" dirty="0"/>
+              <a:t>d</a:t>
+            </a:r>
+          </a:p>
+        </p:txBody>
+      </p:sp>
+    </p:spTree>
+    <p:extLst>
+      <p:ext uri="{BB962C8B-B14F-4D97-AF65-F5344CB8AC3E}">
+        <p14:creationId xmlns:p14="http://schemas.microsoft.com/office/powerpoint/2010/main" val="2362361384"/>
+      </p:ext>
+    </p:extLst>
+  </p:cSld>
+  <p:clrMapOvr>
+    <a:masterClrMapping/>
+  </p:clrMapOvr>
+</p:sld>
+</file>
+
 <file path=ppt/theme/theme1.xml><?xml version="1.0" encoding="utf-8"?>
 <a:theme xmlns:a="http://schemas.openxmlformats.org/drawingml/2006/main" name="Office Theme">
   <a:themeElements>
